--- a/ゼミ0608.pptx
+++ b/ゼミ0608.pptx
@@ -5,11 +5,12 @@
     <p:sldMasterId id="2147483648" r:id="rId1"/>
   </p:sldMasterIdLst>
   <p:notesMasterIdLst>
-    <p:notesMasterId r:id="rId4"/>
+    <p:notesMasterId r:id="rId5"/>
   </p:notesMasterIdLst>
   <p:sldIdLst>
     <p:sldId id="256" r:id="rId2"/>
     <p:sldId id="257" r:id="rId3"/>
+    <p:sldId id="258" r:id="rId4"/>
   </p:sldIdLst>
   <p:sldSz cx="12192000" cy="6858000"/>
   <p:notesSz cx="6858000" cy="9144000"/>
@@ -4119,65 +4120,274 @@
           <a:p>
             <a:r>
               <a:rPr kumimoji="1" lang="ja-JP" altLang="en-US"/>
-              <a:t>やったこと・やること</a:t>
-            </a:r>
-          </a:p>
-        </p:txBody>
-      </p:sp>
-      <p:sp>
-        <p:nvSpPr>
-          <p:cNvPr id="3" name="コンテンツ プレースホルダー 2">
-            <a:extLst>
-              <a:ext uri="{FF2B5EF4-FFF2-40B4-BE49-F238E27FC236}">
-                <a16:creationId xmlns:a16="http://schemas.microsoft.com/office/drawing/2014/main" id="{85488EED-CE4B-7440-8212-EB98FC0966DC}"/>
-              </a:ext>
-            </a:extLst>
-          </p:cNvPr>
-          <p:cNvSpPr>
-            <a:spLocks noGrp="1"/>
-          </p:cNvSpPr>
-          <p:nvPr>
-            <p:ph idx="1"/>
-          </p:nvPr>
-        </p:nvSpPr>
-        <p:spPr/>
-        <p:txBody>
-          <a:bodyPr/>
-          <a:lstStyle/>
-          <a:p>
-            <a:r>
-              <a:rPr lang="ja-JP" altLang="en-US"/>
-              <a:t>先週出ていたエラー→新田さんに手伝ってもらって直して、簡単なモデルは</a:t>
-            </a:r>
-            <a:r>
-              <a:rPr lang="en-US" altLang="ja-JP" dirty="0"/>
-              <a:t>fit</a:t>
-            </a:r>
-            <a:r>
-              <a:rPr lang="ja-JP" altLang="en-US"/>
-              <a:t>までは実行できるようになった</a:t>
-            </a:r>
-            <a:endParaRPr lang="en-US" altLang="ja-JP" dirty="0"/>
-          </a:p>
-          <a:p>
-            <a:endParaRPr lang="en-US" altLang="ja-JP" dirty="0"/>
-          </a:p>
-          <a:p>
-            <a:r>
-              <a:rPr lang="ja-JP" altLang="en-US"/>
-              <a:t>パラメータを増やしてモデルを書く</a:t>
-            </a:r>
-            <a:endParaRPr lang="en-US" altLang="ja-JP" dirty="0"/>
-          </a:p>
-          <a:p>
-            <a:endParaRPr lang="en-US" altLang="ja-JP" dirty="0"/>
-          </a:p>
-        </p:txBody>
-      </p:sp>
+              <a:t>やったこと</a:t>
+            </a:r>
+          </a:p>
+        </p:txBody>
+      </p:sp>
+      <mc:AlternateContent xmlns:mc="http://schemas.openxmlformats.org/markup-compatibility/2006">
+        <mc:Choice xmlns:a14="http://schemas.microsoft.com/office/drawing/2010/main" Requires="a14">
+          <p:sp>
+            <p:nvSpPr>
+              <p:cNvPr id="3" name="コンテンツ プレースホルダー 2">
+                <a:extLst>
+                  <a:ext uri="{FF2B5EF4-FFF2-40B4-BE49-F238E27FC236}">
+                    <a16:creationId xmlns:a16="http://schemas.microsoft.com/office/drawing/2014/main" id="{85488EED-CE4B-7440-8212-EB98FC0966DC}"/>
+                  </a:ext>
+                </a:extLst>
+              </p:cNvPr>
+              <p:cNvSpPr>
+                <a:spLocks noGrp="1"/>
+              </p:cNvSpPr>
+              <p:nvPr>
+                <p:ph idx="1"/>
+              </p:nvPr>
+            </p:nvSpPr>
+            <p:spPr/>
+            <p:txBody>
+              <a:bodyPr>
+                <a:normAutofit/>
+              </a:bodyPr>
+              <a:lstStyle/>
+              <a:p>
+                <a:r>
+                  <a:rPr lang="ja-JP" altLang="en-US"/>
+                  <a:t>先週出ていたエラー→新田さんに手伝ってもらって直して、簡単なモデルは</a:t>
+                </a:r>
+                <a:r>
+                  <a:rPr lang="en-US" altLang="ja-JP" dirty="0"/>
+                  <a:t>fit</a:t>
+                </a:r>
+                <a:r>
+                  <a:rPr lang="ja-JP" altLang="en-US"/>
+                  <a:t>までは実行できるようになった</a:t>
+                </a:r>
+                <a:endParaRPr lang="en-US" altLang="ja-JP" dirty="0"/>
+              </a:p>
+              <a:p>
+                <a:endParaRPr lang="en-US" altLang="ja-JP" dirty="0"/>
+              </a:p>
+              <a:p>
+                <a:r>
+                  <a:rPr lang="ja-JP" altLang="en-US"/>
+                  <a:t>パラメータを増やしていくと、</a:t>
+                </a:r>
+                <a14:m>
+                  <m:oMath xmlns:m="http://schemas.openxmlformats.org/officeDocument/2006/math">
+                    <m:sSub>
+                      <m:sSubPr>
+                        <m:ctrlPr>
+                          <a:rPr lang="en-US" altLang="ja-JP" b="0" i="1" smtClean="0">
+                            <a:latin typeface="Cambria Math" panose="02040503050406030204" pitchFamily="18" charset="0"/>
+                          </a:rPr>
+                        </m:ctrlPr>
+                      </m:sSubPr>
+                      <m:e>
+                        <m:r>
+                          <a:rPr lang="ja-JP" altLang="en-US" i="1" smtClean="0">
+                            <a:latin typeface="Cambria Math" panose="02040503050406030204" pitchFamily="18" charset="0"/>
+                          </a:rPr>
+                          <m:t>𝜋</m:t>
+                        </m:r>
+                      </m:e>
+                      <m:sub>
+                        <m:r>
+                          <a:rPr lang="en-US" altLang="ja-JP" b="0" i="1" smtClean="0">
+                            <a:latin typeface="Cambria Math" panose="02040503050406030204" pitchFamily="18" charset="0"/>
+                          </a:rPr>
+                          <m:t>1</m:t>
+                        </m:r>
+                        <m:r>
+                          <a:rPr lang="en-US" altLang="ja-JP" b="0" i="1" smtClean="0">
+                            <a:latin typeface="Cambria Math" panose="02040503050406030204" pitchFamily="18" charset="0"/>
+                          </a:rPr>
+                          <m:t>𝑟</m:t>
+                        </m:r>
+                      </m:sub>
+                    </m:sSub>
+                  </m:oMath>
+                </a14:m>
+                <a:r>
+                  <a:rPr lang="ja-JP" altLang="en-US" dirty="0"/>
+                  <a:t>を入れた</a:t>
+                </a:r>
+                <a:r>
+                  <a:rPr lang="ja-JP" altLang="en-US"/>
+                  <a:t>ところでエラーになる→対数正規分布なのに負の値が入れられている</a:t>
+                </a:r>
+                <a:endParaRPr lang="en-US" altLang="ja-JP" dirty="0"/>
+              </a:p>
+              <a:p>
+                <a:pPr marL="0" indent="0">
+                  <a:buNone/>
+                </a:pPr>
+                <a:r>
+                  <a:rPr lang="en-US" altLang="ja-JP" dirty="0"/>
+                  <a:t>  </a:t>
+                </a:r>
+                <a:r>
+                  <a:rPr lang="ja-JP" altLang="en-US"/>
+                  <a:t>→パラメータの定義の仕方を変えたら実行できた</a:t>
+                </a:r>
+                <a:endParaRPr lang="en-US" altLang="ja-JP" dirty="0"/>
+              </a:p>
+              <a:p>
+                <a:pPr marL="0" indent="0">
+                  <a:buNone/>
+                </a:pPr>
+                <a:r>
+                  <a:rPr lang="en-US" altLang="ja-JP" dirty="0"/>
+                  <a:t>  </a:t>
+                </a:r>
+                <a:r>
+                  <a:rPr lang="en-US" altLang="ja-JP" sz="2400" dirty="0"/>
+                  <a:t>(lower=0</a:t>
+                </a:r>
+                <a:r>
+                  <a:rPr lang="ja-JP" altLang="en-US" sz="2400"/>
+                  <a:t>を書いていなかったので、</a:t>
+                </a:r>
+                <a:r>
+                  <a:rPr lang="en-US" altLang="ja-JP" sz="2400" dirty="0"/>
+                  <a:t>real</a:t>
+                </a:r>
+                <a:r>
+                  <a:rPr lang="ja-JP" altLang="en-US" sz="2400"/>
+                  <a:t>型にして制約を書き加えた</a:t>
+                </a:r>
+                <a:r>
+                  <a:rPr lang="en-US" altLang="ja-JP" sz="2400" dirty="0"/>
+                  <a:t>)</a:t>
+                </a:r>
+                <a:endParaRPr lang="en-US" altLang="ja-JP" dirty="0"/>
+              </a:p>
+            </p:txBody>
+          </p:sp>
+        </mc:Choice>
+        <mc:Fallback>
+          <p:sp>
+            <p:nvSpPr>
+              <p:cNvPr id="3" name="コンテンツ プレースホルダー 2">
+                <a:extLst>
+                  <a:ext uri="{FF2B5EF4-FFF2-40B4-BE49-F238E27FC236}">
+                    <a16:creationId xmlns:a16="http://schemas.microsoft.com/office/drawing/2014/main" id="{85488EED-CE4B-7440-8212-EB98FC0966DC}"/>
+                  </a:ext>
+                </a:extLst>
+              </p:cNvPr>
+              <p:cNvSpPr>
+                <a:spLocks noGrp="1" noRot="1" noChangeAspect="1" noMove="1" noResize="1" noEditPoints="1" noAdjustHandles="1" noChangeArrowheads="1" noChangeShapeType="1" noTextEdit="1"/>
+              </p:cNvSpPr>
+              <p:nvPr>
+                <p:ph idx="1"/>
+              </p:nvPr>
+            </p:nvSpPr>
+            <p:spPr>
+              <a:blipFill>
+                <a:blip r:embed="rId2"/>
+                <a:stretch>
+                  <a:fillRect l="-1206" t="-2326"/>
+                </a:stretch>
+              </a:blipFill>
+            </p:spPr>
+            <p:txBody>
+              <a:bodyPr/>
+              <a:lstStyle/>
+              <a:p>
+                <a:r>
+                  <a:rPr lang="ja-JP" altLang="en-US">
+                    <a:noFill/>
+                  </a:rPr>
+                  <a:t> </a:t>
+                </a:r>
+              </a:p>
+            </p:txBody>
+          </p:sp>
+        </mc:Fallback>
+      </mc:AlternateContent>
     </p:spTree>
     <p:extLst>
       <p:ext uri="{BB962C8B-B14F-4D97-AF65-F5344CB8AC3E}">
         <p14:creationId xmlns:p14="http://schemas.microsoft.com/office/powerpoint/2010/main" val="1122912279"/>
+      </p:ext>
+    </p:extLst>
+  </p:cSld>
+  <p:clrMapOvr>
+    <a:masterClrMapping/>
+  </p:clrMapOvr>
+</p:sld>
+</file>
+
+<file path=ppt/slides/slide3.xml><?xml version="1.0" encoding="utf-8"?>
+<p:sld xmlns:a="http://schemas.openxmlformats.org/drawingml/2006/main" xmlns:r="http://schemas.openxmlformats.org/officeDocument/2006/relationships" xmlns:p="http://schemas.openxmlformats.org/presentationml/2006/main">
+  <p:cSld>
+    <p:spTree>
+      <p:nvGrpSpPr>
+        <p:cNvPr id="1" name=""/>
+        <p:cNvGrpSpPr/>
+        <p:nvPr/>
+      </p:nvGrpSpPr>
+      <p:grpSpPr>
+        <a:xfrm>
+          <a:off x="0" y="0"/>
+          <a:ext cx="0" cy="0"/>
+          <a:chOff x="0" y="0"/>
+          <a:chExt cx="0" cy="0"/>
+        </a:xfrm>
+      </p:grpSpPr>
+      <p:sp>
+        <p:nvSpPr>
+          <p:cNvPr id="2" name="タイトル 1">
+            <a:extLst>
+              <a:ext uri="{FF2B5EF4-FFF2-40B4-BE49-F238E27FC236}">
+                <a16:creationId xmlns:a16="http://schemas.microsoft.com/office/drawing/2014/main" id="{D26DCADC-7FD7-704D-839C-09AFA3EEB0FD}"/>
+              </a:ext>
+            </a:extLst>
+          </p:cNvPr>
+          <p:cNvSpPr>
+            <a:spLocks noGrp="1"/>
+          </p:cNvSpPr>
+          <p:nvPr>
+            <p:ph type="title"/>
+          </p:nvPr>
+        </p:nvSpPr>
+        <p:spPr/>
+        <p:txBody>
+          <a:bodyPr/>
+          <a:lstStyle/>
+          <a:p>
+            <a:endParaRPr kumimoji="1" lang="ja-JP" altLang="en-US"/>
+          </a:p>
+        </p:txBody>
+      </p:sp>
+      <p:sp>
+        <p:nvSpPr>
+          <p:cNvPr id="3" name="コンテンツ プレースホルダー 2">
+            <a:extLst>
+              <a:ext uri="{FF2B5EF4-FFF2-40B4-BE49-F238E27FC236}">
+                <a16:creationId xmlns:a16="http://schemas.microsoft.com/office/drawing/2014/main" id="{7E8AD8D6-B405-5543-AE9C-4940CA4269C5}"/>
+              </a:ext>
+            </a:extLst>
+          </p:cNvPr>
+          <p:cNvSpPr>
+            <a:spLocks noGrp="1"/>
+          </p:cNvSpPr>
+          <p:nvPr>
+            <p:ph idx="1"/>
+          </p:nvPr>
+        </p:nvSpPr>
+        <p:spPr/>
+        <p:txBody>
+          <a:bodyPr/>
+          <a:lstStyle/>
+          <a:p>
+            <a:endParaRPr kumimoji="1" lang="ja-JP" altLang="en-US"/>
+          </a:p>
+        </p:txBody>
+      </p:sp>
+    </p:spTree>
+    <p:extLst>
+      <p:ext uri="{BB962C8B-B14F-4D97-AF65-F5344CB8AC3E}">
+        <p14:creationId xmlns:p14="http://schemas.microsoft.com/office/powerpoint/2010/main" val="421570942"/>
       </p:ext>
     </p:extLst>
   </p:cSld>

--- a/ゼミ0608.pptx
+++ b/ゼミ0608.pptx
@@ -199,7 +199,7 @@
           <a:p>
             <a:fld id="{7CA21BA1-E245-F34B-A21F-999F2D38C30D}" type="datetimeFigureOut">
               <a:rPr kumimoji="1" lang="ja-JP" altLang="en-US" smtClean="0"/>
-              <a:t>2021/6/1</a:t>
+              <a:t>2021/6/7</a:t>
             </a:fld>
             <a:endParaRPr kumimoji="1" lang="ja-JP" altLang="en-US"/>
           </a:p>
@@ -645,7 +645,7 @@
           <a:p>
             <a:fld id="{A2269BCB-40BC-DD4F-9002-09B4B1D0859E}" type="datetimeFigureOut">
               <a:rPr kumimoji="1" lang="ja-JP" altLang="en-US" smtClean="0"/>
-              <a:t>2021/6/1</a:t>
+              <a:t>2021/6/7</a:t>
             </a:fld>
             <a:endParaRPr kumimoji="1" lang="ja-JP" altLang="en-US"/>
           </a:p>
@@ -875,7 +875,7 @@
           <a:p>
             <a:fld id="{A2269BCB-40BC-DD4F-9002-09B4B1D0859E}" type="datetimeFigureOut">
               <a:rPr kumimoji="1" lang="ja-JP" altLang="en-US" smtClean="0"/>
-              <a:t>2021/6/1</a:t>
+              <a:t>2021/6/7</a:t>
             </a:fld>
             <a:endParaRPr kumimoji="1" lang="ja-JP" altLang="en-US"/>
           </a:p>
@@ -1115,7 +1115,7 @@
           <a:p>
             <a:fld id="{A2269BCB-40BC-DD4F-9002-09B4B1D0859E}" type="datetimeFigureOut">
               <a:rPr kumimoji="1" lang="ja-JP" altLang="en-US" smtClean="0"/>
-              <a:t>2021/6/1</a:t>
+              <a:t>2021/6/7</a:t>
             </a:fld>
             <a:endParaRPr kumimoji="1" lang="ja-JP" altLang="en-US"/>
           </a:p>
@@ -1345,7 +1345,7 @@
           <a:p>
             <a:fld id="{A2269BCB-40BC-DD4F-9002-09B4B1D0859E}" type="datetimeFigureOut">
               <a:rPr kumimoji="1" lang="ja-JP" altLang="en-US" smtClean="0"/>
-              <a:t>2021/6/1</a:t>
+              <a:t>2021/6/7</a:t>
             </a:fld>
             <a:endParaRPr kumimoji="1" lang="ja-JP" altLang="en-US"/>
           </a:p>
@@ -1620,7 +1620,7 @@
           <a:p>
             <a:fld id="{A2269BCB-40BC-DD4F-9002-09B4B1D0859E}" type="datetimeFigureOut">
               <a:rPr kumimoji="1" lang="ja-JP" altLang="en-US" smtClean="0"/>
-              <a:t>2021/6/1</a:t>
+              <a:t>2021/6/7</a:t>
             </a:fld>
             <a:endParaRPr kumimoji="1" lang="ja-JP" altLang="en-US"/>
           </a:p>
@@ -1949,7 +1949,7 @@
           <a:p>
             <a:fld id="{A2269BCB-40BC-DD4F-9002-09B4B1D0859E}" type="datetimeFigureOut">
               <a:rPr kumimoji="1" lang="ja-JP" altLang="en-US" smtClean="0"/>
-              <a:t>2021/6/1</a:t>
+              <a:t>2021/6/7</a:t>
             </a:fld>
             <a:endParaRPr kumimoji="1" lang="ja-JP" altLang="en-US"/>
           </a:p>
@@ -2425,7 +2425,7 @@
           <a:p>
             <a:fld id="{A2269BCB-40BC-DD4F-9002-09B4B1D0859E}" type="datetimeFigureOut">
               <a:rPr kumimoji="1" lang="ja-JP" altLang="en-US" smtClean="0"/>
-              <a:t>2021/6/1</a:t>
+              <a:t>2021/6/7</a:t>
             </a:fld>
             <a:endParaRPr kumimoji="1" lang="ja-JP" altLang="en-US"/>
           </a:p>
@@ -2566,7 +2566,7 @@
           <a:p>
             <a:fld id="{A2269BCB-40BC-DD4F-9002-09B4B1D0859E}" type="datetimeFigureOut">
               <a:rPr kumimoji="1" lang="ja-JP" altLang="en-US" smtClean="0"/>
-              <a:t>2021/6/1</a:t>
+              <a:t>2021/6/7</a:t>
             </a:fld>
             <a:endParaRPr kumimoji="1" lang="ja-JP" altLang="en-US"/>
           </a:p>
@@ -2679,7 +2679,7 @@
           <a:p>
             <a:fld id="{A2269BCB-40BC-DD4F-9002-09B4B1D0859E}" type="datetimeFigureOut">
               <a:rPr kumimoji="1" lang="ja-JP" altLang="en-US" smtClean="0"/>
-              <a:t>2021/6/1</a:t>
+              <a:t>2021/6/7</a:t>
             </a:fld>
             <a:endParaRPr kumimoji="1" lang="ja-JP" altLang="en-US"/>
           </a:p>
@@ -3022,7 +3022,7 @@
           <a:p>
             <a:fld id="{A2269BCB-40BC-DD4F-9002-09B4B1D0859E}" type="datetimeFigureOut">
               <a:rPr kumimoji="1" lang="ja-JP" altLang="en-US" smtClean="0"/>
-              <a:t>2021/6/1</a:t>
+              <a:t>2021/6/7</a:t>
             </a:fld>
             <a:endParaRPr kumimoji="1" lang="ja-JP" altLang="en-US"/>
           </a:p>
@@ -3310,7 +3310,7 @@
           <a:p>
             <a:fld id="{A2269BCB-40BC-DD4F-9002-09B4B1D0859E}" type="datetimeFigureOut">
               <a:rPr kumimoji="1" lang="ja-JP" altLang="en-US" smtClean="0"/>
-              <a:t>2021/6/1</a:t>
+              <a:t>2021/6/7</a:t>
             </a:fld>
             <a:endParaRPr kumimoji="1" lang="ja-JP" altLang="en-US"/>
           </a:p>
@@ -3583,7 +3583,7 @@
           <a:p>
             <a:fld id="{A2269BCB-40BC-DD4F-9002-09B4B1D0859E}" type="datetimeFigureOut">
               <a:rPr kumimoji="1" lang="ja-JP" altLang="en-US" smtClean="0"/>
-              <a:t>2021/6/1</a:t>
+              <a:t>2021/6/7</a:t>
             </a:fld>
             <a:endParaRPr kumimoji="1" lang="ja-JP" altLang="en-US"/>
           </a:p>
@@ -4213,7 +4213,7 @@
                 </a:r>
                 <a:r>
                   <a:rPr lang="ja-JP" altLang="en-US"/>
-                  <a:t>ところでエラーになる→対数正規分布なのに負の値が入れられている</a:t>
+                  <a:t>ところでエラーになる</a:t>
                 </a:r>
                 <a:endParaRPr lang="en-US" altLang="ja-JP" dirty="0"/>
               </a:p>
@@ -4222,14 +4222,28 @@
                   <a:buNone/>
                 </a:pPr>
                 <a:r>
-                  <a:rPr lang="en-US" altLang="ja-JP" dirty="0"/>
-                  <a:t>  </a:t>
+                  <a:rPr lang="en-US" altLang="ja-JP" sz="2400" dirty="0"/>
+                  <a:t>	</a:t>
                 </a:r>
                 <a:r>
-                  <a:rPr lang="ja-JP" altLang="en-US"/>
-                  <a:t>→パラメータの定義の仕方を変えたら実行できた</a:t>
+                  <a:rPr lang="ja-JP" altLang="en-US" sz="2400"/>
+                  <a:t>原因：対数正規分布なのに負の値が入れられている</a:t>
                 </a:r>
-                <a:endParaRPr lang="en-US" altLang="ja-JP" dirty="0"/>
+                <a:endParaRPr lang="en-US" altLang="ja-JP" sz="2400" dirty="0"/>
+              </a:p>
+              <a:p>
+                <a:pPr marL="0" indent="0">
+                  <a:buNone/>
+                </a:pPr>
+                <a:r>
+                  <a:rPr lang="en-US" altLang="ja-JP" sz="2400" dirty="0"/>
+                  <a:t>	</a:t>
+                </a:r>
+                <a:r>
+                  <a:rPr lang="ja-JP" altLang="en-US" sz="2400"/>
+                  <a:t>解決方法：パラメータの定義の仕方を変えたら実行できた</a:t>
+                </a:r>
+                <a:endParaRPr lang="en-US" altLang="ja-JP" sz="2400" dirty="0"/>
               </a:p>
               <a:p>
                 <a:pPr marL="0" indent="0">
@@ -4285,7 +4299,7 @@
               <a:blipFill>
                 <a:blip r:embed="rId2"/>
                 <a:stretch>
-                  <a:fillRect l="-1206" t="-2326"/>
+                  <a:fillRect l="-1086" t="-2326"/>
                 </a:stretch>
               </a:blipFill>
             </p:spPr>

--- a/ゼミ0608.pptx
+++ b/ゼミ0608.pptx
@@ -199,7 +199,7 @@
           <a:p>
             <a:fld id="{7CA21BA1-E245-F34B-A21F-999F2D38C30D}" type="datetimeFigureOut">
               <a:rPr kumimoji="1" lang="ja-JP" altLang="en-US" smtClean="0"/>
-              <a:t>2021/6/7</a:t>
+              <a:t>2021/6/10</a:t>
             </a:fld>
             <a:endParaRPr kumimoji="1" lang="ja-JP" altLang="en-US"/>
           </a:p>
@@ -645,7 +645,7 @@
           <a:p>
             <a:fld id="{A2269BCB-40BC-DD4F-9002-09B4B1D0859E}" type="datetimeFigureOut">
               <a:rPr kumimoji="1" lang="ja-JP" altLang="en-US" smtClean="0"/>
-              <a:t>2021/6/7</a:t>
+              <a:t>2021/6/10</a:t>
             </a:fld>
             <a:endParaRPr kumimoji="1" lang="ja-JP" altLang="en-US"/>
           </a:p>
@@ -875,7 +875,7 @@
           <a:p>
             <a:fld id="{A2269BCB-40BC-DD4F-9002-09B4B1D0859E}" type="datetimeFigureOut">
               <a:rPr kumimoji="1" lang="ja-JP" altLang="en-US" smtClean="0"/>
-              <a:t>2021/6/7</a:t>
+              <a:t>2021/6/10</a:t>
             </a:fld>
             <a:endParaRPr kumimoji="1" lang="ja-JP" altLang="en-US"/>
           </a:p>
@@ -1115,7 +1115,7 @@
           <a:p>
             <a:fld id="{A2269BCB-40BC-DD4F-9002-09B4B1D0859E}" type="datetimeFigureOut">
               <a:rPr kumimoji="1" lang="ja-JP" altLang="en-US" smtClean="0"/>
-              <a:t>2021/6/7</a:t>
+              <a:t>2021/6/10</a:t>
             </a:fld>
             <a:endParaRPr kumimoji="1" lang="ja-JP" altLang="en-US"/>
           </a:p>
@@ -1345,7 +1345,7 @@
           <a:p>
             <a:fld id="{A2269BCB-40BC-DD4F-9002-09B4B1D0859E}" type="datetimeFigureOut">
               <a:rPr kumimoji="1" lang="ja-JP" altLang="en-US" smtClean="0"/>
-              <a:t>2021/6/7</a:t>
+              <a:t>2021/6/10</a:t>
             </a:fld>
             <a:endParaRPr kumimoji="1" lang="ja-JP" altLang="en-US"/>
           </a:p>
@@ -1620,7 +1620,7 @@
           <a:p>
             <a:fld id="{A2269BCB-40BC-DD4F-9002-09B4B1D0859E}" type="datetimeFigureOut">
               <a:rPr kumimoji="1" lang="ja-JP" altLang="en-US" smtClean="0"/>
-              <a:t>2021/6/7</a:t>
+              <a:t>2021/6/10</a:t>
             </a:fld>
             <a:endParaRPr kumimoji="1" lang="ja-JP" altLang="en-US"/>
           </a:p>
@@ -1949,7 +1949,7 @@
           <a:p>
             <a:fld id="{A2269BCB-40BC-DD4F-9002-09B4B1D0859E}" type="datetimeFigureOut">
               <a:rPr kumimoji="1" lang="ja-JP" altLang="en-US" smtClean="0"/>
-              <a:t>2021/6/7</a:t>
+              <a:t>2021/6/10</a:t>
             </a:fld>
             <a:endParaRPr kumimoji="1" lang="ja-JP" altLang="en-US"/>
           </a:p>
@@ -2425,7 +2425,7 @@
           <a:p>
             <a:fld id="{A2269BCB-40BC-DD4F-9002-09B4B1D0859E}" type="datetimeFigureOut">
               <a:rPr kumimoji="1" lang="ja-JP" altLang="en-US" smtClean="0"/>
-              <a:t>2021/6/7</a:t>
+              <a:t>2021/6/10</a:t>
             </a:fld>
             <a:endParaRPr kumimoji="1" lang="ja-JP" altLang="en-US"/>
           </a:p>
@@ -2566,7 +2566,7 @@
           <a:p>
             <a:fld id="{A2269BCB-40BC-DD4F-9002-09B4B1D0859E}" type="datetimeFigureOut">
               <a:rPr kumimoji="1" lang="ja-JP" altLang="en-US" smtClean="0"/>
-              <a:t>2021/6/7</a:t>
+              <a:t>2021/6/10</a:t>
             </a:fld>
             <a:endParaRPr kumimoji="1" lang="ja-JP" altLang="en-US"/>
           </a:p>
@@ -2679,7 +2679,7 @@
           <a:p>
             <a:fld id="{A2269BCB-40BC-DD4F-9002-09B4B1D0859E}" type="datetimeFigureOut">
               <a:rPr kumimoji="1" lang="ja-JP" altLang="en-US" smtClean="0"/>
-              <a:t>2021/6/7</a:t>
+              <a:t>2021/6/10</a:t>
             </a:fld>
             <a:endParaRPr kumimoji="1" lang="ja-JP" altLang="en-US"/>
           </a:p>
@@ -3022,7 +3022,7 @@
           <a:p>
             <a:fld id="{A2269BCB-40BC-DD4F-9002-09B4B1D0859E}" type="datetimeFigureOut">
               <a:rPr kumimoji="1" lang="ja-JP" altLang="en-US" smtClean="0"/>
-              <a:t>2021/6/7</a:t>
+              <a:t>2021/6/10</a:t>
             </a:fld>
             <a:endParaRPr kumimoji="1" lang="ja-JP" altLang="en-US"/>
           </a:p>
@@ -3310,7 +3310,7 @@
           <a:p>
             <a:fld id="{A2269BCB-40BC-DD4F-9002-09B4B1D0859E}" type="datetimeFigureOut">
               <a:rPr kumimoji="1" lang="ja-JP" altLang="en-US" smtClean="0"/>
-              <a:t>2021/6/7</a:t>
+              <a:t>2021/6/10</a:t>
             </a:fld>
             <a:endParaRPr kumimoji="1" lang="ja-JP" altLang="en-US"/>
           </a:p>
@@ -3583,7 +3583,7 @@
           <a:p>
             <a:fld id="{A2269BCB-40BC-DD4F-9002-09B4B1D0859E}" type="datetimeFigureOut">
               <a:rPr kumimoji="1" lang="ja-JP" altLang="en-US" smtClean="0"/>
-              <a:t>2021/6/7</a:t>
+              <a:t>2021/6/10</a:t>
             </a:fld>
             <a:endParaRPr kumimoji="1" lang="ja-JP" altLang="en-US"/>
           </a:p>
@@ -4125,8 +4125,8 @@
           </a:p>
         </p:txBody>
       </p:sp>
-      <mc:AlternateContent xmlns:mc="http://schemas.openxmlformats.org/markup-compatibility/2006">
-        <mc:Choice xmlns:a14="http://schemas.microsoft.com/office/drawing/2010/main" Requires="a14">
+      <mc:AlternateContent xmlns:mc="http://schemas.openxmlformats.org/markup-compatibility/2006" xmlns:a14="http://schemas.microsoft.com/office/drawing/2010/main">
+        <mc:Choice Requires="a14">
           <p:sp>
             <p:nvSpPr>
               <p:cNvPr id="3" name="コンテンツ プレースホルダー 2">
@@ -4278,7 +4278,7 @@
             </p:txBody>
           </p:sp>
         </mc:Choice>
-        <mc:Fallback>
+        <mc:Fallback xmlns="">
           <p:sp>
             <p:nvSpPr>
               <p:cNvPr id="3" name="コンテンツ プレースホルダー 2">
@@ -4369,7 +4369,10 @@
           <a:bodyPr/>
           <a:lstStyle/>
           <a:p>
-            <a:endParaRPr kumimoji="1" lang="ja-JP" altLang="en-US"/>
+            <a:r>
+              <a:rPr kumimoji="1" lang="ja-JP" altLang="en-US"/>
+              <a:t>やること</a:t>
+            </a:r>
           </a:p>
         </p:txBody>
       </p:sp>
@@ -4394,7 +4397,119 @@
           <a:bodyPr/>
           <a:lstStyle/>
           <a:p>
-            <a:endParaRPr kumimoji="1" lang="ja-JP" altLang="en-US"/>
+            <a:r>
+              <a:rPr kumimoji="1" lang="en-US" altLang="ja-JP" dirty="0" err="1"/>
+              <a:t>Alpha_rt</a:t>
+            </a:r>
+            <a:r>
+              <a:rPr kumimoji="1" lang="ja-JP" altLang="en-US"/>
+              <a:t>の分布を変える</a:t>
+            </a:r>
+            <a:r>
+              <a:rPr kumimoji="1" lang="en-US" altLang="ja-JP" dirty="0"/>
+              <a:t>(</a:t>
+            </a:r>
+            <a:r>
+              <a:rPr kumimoji="1" lang="ja-JP" altLang="en-US"/>
+              <a:t>一個前のやつと</a:t>
+            </a:r>
+            <a:r>
+              <a:rPr kumimoji="1" lang="en-US" altLang="ja-JP" dirty="0"/>
+              <a:t>〜</a:t>
+            </a:r>
+            <a:r>
+              <a:rPr kumimoji="1" lang="ja-JP" altLang="en-US"/>
+              <a:t>ってやつ</a:t>
+            </a:r>
+            <a:r>
+              <a:rPr kumimoji="1" lang="en-US" altLang="ja-JP" dirty="0"/>
+              <a:t>)</a:t>
+            </a:r>
+          </a:p>
+          <a:p>
+            <a:r>
+              <a:rPr lang="ja-JP" altLang="en-US"/>
+              <a:t>項目</a:t>
+            </a:r>
+            <a:r>
+              <a:rPr lang="en-US" altLang="ja-JP" dirty="0"/>
+              <a:t>(</a:t>
+            </a:r>
+            <a:r>
+              <a:rPr lang="en-US" altLang="ja-JP" dirty="0" err="1"/>
+              <a:t>TaskID</a:t>
+            </a:r>
+            <a:r>
+              <a:rPr lang="en-US" altLang="ja-JP" dirty="0"/>
+              <a:t>)</a:t>
+            </a:r>
+            <a:r>
+              <a:rPr lang="ja-JP" altLang="en-US"/>
+              <a:t>を絞る（</a:t>
+            </a:r>
+            <a:r>
+              <a:rPr lang="en-US" altLang="ja-JP" dirty="0"/>
+              <a:t>1</a:t>
+            </a:r>
+            <a:r>
+              <a:rPr lang="ja-JP" altLang="en-US"/>
+              <a:t>の時</a:t>
+            </a:r>
+            <a:r>
+              <a:rPr lang="en-US" altLang="ja-JP" dirty="0"/>
+              <a:t>〜2</a:t>
+            </a:r>
+            <a:r>
+              <a:rPr lang="ja-JP" altLang="en-US"/>
+              <a:t>の時</a:t>
+            </a:r>
+            <a:r>
+              <a:rPr lang="en-US" altLang="ja-JP" dirty="0"/>
+              <a:t>〜</a:t>
+            </a:r>
+            <a:r>
+              <a:rPr lang="ja-JP" altLang="en-US"/>
+              <a:t>みたいにやる）</a:t>
+            </a:r>
+            <a:endParaRPr lang="en-US" altLang="ja-JP" dirty="0"/>
+          </a:p>
+          <a:p>
+            <a:endParaRPr kumimoji="1" lang="en-US" altLang="ja-JP" dirty="0"/>
+          </a:p>
+          <a:p>
+            <a:endParaRPr lang="en-US" altLang="ja-JP" dirty="0"/>
+          </a:p>
+          <a:p>
+            <a:endParaRPr kumimoji="1" lang="en-US" altLang="ja-JP" dirty="0"/>
+          </a:p>
+          <a:p>
+            <a:r>
+              <a:rPr lang="en-US" altLang="ja-JP" dirty="0"/>
+              <a:t>9/27</a:t>
+            </a:r>
+            <a:r>
+              <a:rPr lang="ja-JP" altLang="en-US"/>
+              <a:t>まで　中間レポート　</a:t>
+            </a:r>
+            <a:r>
+              <a:rPr lang="en-US" altLang="ja-JP" dirty="0"/>
+              <a:t>20</a:t>
+            </a:r>
+            <a:r>
+              <a:rPr lang="ja-JP" altLang="en-US"/>
+              <a:t>枚くらいで卒論の途中までみたいな感じ</a:t>
+            </a:r>
+            <a:endParaRPr lang="en-US" altLang="ja-JP" dirty="0"/>
+          </a:p>
+          <a:p>
+            <a:r>
+              <a:rPr kumimoji="1" lang="ja-JP" altLang="en-US"/>
+              <a:t>中間発表　</a:t>
+            </a:r>
+            <a:r>
+              <a:rPr kumimoji="1" lang="en-US" altLang="ja-JP" dirty="0"/>
+              <a:t>10/7</a:t>
+            </a:r>
           </a:p>
         </p:txBody>
       </p:sp>

--- a/ゼミ0608.pptx
+++ b/ゼミ0608.pptx
@@ -199,7 +199,7 @@
           <a:p>
             <a:fld id="{7CA21BA1-E245-F34B-A21F-999F2D38C30D}" type="datetimeFigureOut">
               <a:rPr kumimoji="1" lang="ja-JP" altLang="en-US" smtClean="0"/>
-              <a:t>2021/6/10</a:t>
+              <a:t>2021/6/7</a:t>
             </a:fld>
             <a:endParaRPr kumimoji="1" lang="ja-JP" altLang="en-US"/>
           </a:p>
@@ -645,7 +645,7 @@
           <a:p>
             <a:fld id="{A2269BCB-40BC-DD4F-9002-09B4B1D0859E}" type="datetimeFigureOut">
               <a:rPr kumimoji="1" lang="ja-JP" altLang="en-US" smtClean="0"/>
-              <a:t>2021/6/10</a:t>
+              <a:t>2021/6/7</a:t>
             </a:fld>
             <a:endParaRPr kumimoji="1" lang="ja-JP" altLang="en-US"/>
           </a:p>
@@ -875,7 +875,7 @@
           <a:p>
             <a:fld id="{A2269BCB-40BC-DD4F-9002-09B4B1D0859E}" type="datetimeFigureOut">
               <a:rPr kumimoji="1" lang="ja-JP" altLang="en-US" smtClean="0"/>
-              <a:t>2021/6/10</a:t>
+              <a:t>2021/6/7</a:t>
             </a:fld>
             <a:endParaRPr kumimoji="1" lang="ja-JP" altLang="en-US"/>
           </a:p>
@@ -1115,7 +1115,7 @@
           <a:p>
             <a:fld id="{A2269BCB-40BC-DD4F-9002-09B4B1D0859E}" type="datetimeFigureOut">
               <a:rPr kumimoji="1" lang="ja-JP" altLang="en-US" smtClean="0"/>
-              <a:t>2021/6/10</a:t>
+              <a:t>2021/6/7</a:t>
             </a:fld>
             <a:endParaRPr kumimoji="1" lang="ja-JP" altLang="en-US"/>
           </a:p>
@@ -1345,7 +1345,7 @@
           <a:p>
             <a:fld id="{A2269BCB-40BC-DD4F-9002-09B4B1D0859E}" type="datetimeFigureOut">
               <a:rPr kumimoji="1" lang="ja-JP" altLang="en-US" smtClean="0"/>
-              <a:t>2021/6/10</a:t>
+              <a:t>2021/6/7</a:t>
             </a:fld>
             <a:endParaRPr kumimoji="1" lang="ja-JP" altLang="en-US"/>
           </a:p>
@@ -1620,7 +1620,7 @@
           <a:p>
             <a:fld id="{A2269BCB-40BC-DD4F-9002-09B4B1D0859E}" type="datetimeFigureOut">
               <a:rPr kumimoji="1" lang="ja-JP" altLang="en-US" smtClean="0"/>
-              <a:t>2021/6/10</a:t>
+              <a:t>2021/6/7</a:t>
             </a:fld>
             <a:endParaRPr kumimoji="1" lang="ja-JP" altLang="en-US"/>
           </a:p>
@@ -1949,7 +1949,7 @@
           <a:p>
             <a:fld id="{A2269BCB-40BC-DD4F-9002-09B4B1D0859E}" type="datetimeFigureOut">
               <a:rPr kumimoji="1" lang="ja-JP" altLang="en-US" smtClean="0"/>
-              <a:t>2021/6/10</a:t>
+              <a:t>2021/6/7</a:t>
             </a:fld>
             <a:endParaRPr kumimoji="1" lang="ja-JP" altLang="en-US"/>
           </a:p>
@@ -2425,7 +2425,7 @@
           <a:p>
             <a:fld id="{A2269BCB-40BC-DD4F-9002-09B4B1D0859E}" type="datetimeFigureOut">
               <a:rPr kumimoji="1" lang="ja-JP" altLang="en-US" smtClean="0"/>
-              <a:t>2021/6/10</a:t>
+              <a:t>2021/6/7</a:t>
             </a:fld>
             <a:endParaRPr kumimoji="1" lang="ja-JP" altLang="en-US"/>
           </a:p>
@@ -2566,7 +2566,7 @@
           <a:p>
             <a:fld id="{A2269BCB-40BC-DD4F-9002-09B4B1D0859E}" type="datetimeFigureOut">
               <a:rPr kumimoji="1" lang="ja-JP" altLang="en-US" smtClean="0"/>
-              <a:t>2021/6/10</a:t>
+              <a:t>2021/6/7</a:t>
             </a:fld>
             <a:endParaRPr kumimoji="1" lang="ja-JP" altLang="en-US"/>
           </a:p>
@@ -2679,7 +2679,7 @@
           <a:p>
             <a:fld id="{A2269BCB-40BC-DD4F-9002-09B4B1D0859E}" type="datetimeFigureOut">
               <a:rPr kumimoji="1" lang="ja-JP" altLang="en-US" smtClean="0"/>
-              <a:t>2021/6/10</a:t>
+              <a:t>2021/6/7</a:t>
             </a:fld>
             <a:endParaRPr kumimoji="1" lang="ja-JP" altLang="en-US"/>
           </a:p>
@@ -3022,7 +3022,7 @@
           <a:p>
             <a:fld id="{A2269BCB-40BC-DD4F-9002-09B4B1D0859E}" type="datetimeFigureOut">
               <a:rPr kumimoji="1" lang="ja-JP" altLang="en-US" smtClean="0"/>
-              <a:t>2021/6/10</a:t>
+              <a:t>2021/6/7</a:t>
             </a:fld>
             <a:endParaRPr kumimoji="1" lang="ja-JP" altLang="en-US"/>
           </a:p>
@@ -3310,7 +3310,7 @@
           <a:p>
             <a:fld id="{A2269BCB-40BC-DD4F-9002-09B4B1D0859E}" type="datetimeFigureOut">
               <a:rPr kumimoji="1" lang="ja-JP" altLang="en-US" smtClean="0"/>
-              <a:t>2021/6/10</a:t>
+              <a:t>2021/6/7</a:t>
             </a:fld>
             <a:endParaRPr kumimoji="1" lang="ja-JP" altLang="en-US"/>
           </a:p>
@@ -3583,7 +3583,7 @@
           <a:p>
             <a:fld id="{A2269BCB-40BC-DD4F-9002-09B4B1D0859E}" type="datetimeFigureOut">
               <a:rPr kumimoji="1" lang="ja-JP" altLang="en-US" smtClean="0"/>
-              <a:t>2021/6/10</a:t>
+              <a:t>2021/6/7</a:t>
             </a:fld>
             <a:endParaRPr kumimoji="1" lang="ja-JP" altLang="en-US"/>
           </a:p>
@@ -4125,8 +4125,8 @@
           </a:p>
         </p:txBody>
       </p:sp>
-      <mc:AlternateContent xmlns:mc="http://schemas.openxmlformats.org/markup-compatibility/2006" xmlns:a14="http://schemas.microsoft.com/office/drawing/2010/main">
-        <mc:Choice Requires="a14">
+      <mc:AlternateContent xmlns:mc="http://schemas.openxmlformats.org/markup-compatibility/2006">
+        <mc:Choice xmlns:a14="http://schemas.microsoft.com/office/drawing/2010/main" Requires="a14">
           <p:sp>
             <p:nvSpPr>
               <p:cNvPr id="3" name="コンテンツ プレースホルダー 2">
@@ -4278,7 +4278,7 @@
             </p:txBody>
           </p:sp>
         </mc:Choice>
-        <mc:Fallback xmlns="">
+        <mc:Fallback>
           <p:sp>
             <p:nvSpPr>
               <p:cNvPr id="3" name="コンテンツ プレースホルダー 2">
@@ -4371,148 +4371,252 @@
           <a:p>
             <a:r>
               <a:rPr kumimoji="1" lang="ja-JP" altLang="en-US"/>
-              <a:t>やること</a:t>
-            </a:r>
-          </a:p>
-        </p:txBody>
-      </p:sp>
-      <p:sp>
-        <p:nvSpPr>
-          <p:cNvPr id="3" name="コンテンツ プレースホルダー 2">
-            <a:extLst>
-              <a:ext uri="{FF2B5EF4-FFF2-40B4-BE49-F238E27FC236}">
-                <a16:creationId xmlns:a16="http://schemas.microsoft.com/office/drawing/2014/main" id="{7E8AD8D6-B405-5543-AE9C-4940CA4269C5}"/>
-              </a:ext>
-            </a:extLst>
-          </p:cNvPr>
-          <p:cNvSpPr>
-            <a:spLocks noGrp="1"/>
-          </p:cNvSpPr>
-          <p:nvPr>
-            <p:ph idx="1"/>
-          </p:nvPr>
-        </p:nvSpPr>
-        <p:spPr/>
-        <p:txBody>
-          <a:bodyPr/>
-          <a:lstStyle/>
-          <a:p>
-            <a:r>
-              <a:rPr kumimoji="1" lang="en-US" altLang="ja-JP" dirty="0" err="1"/>
-              <a:t>Alpha_rt</a:t>
-            </a:r>
-            <a:r>
-              <a:rPr kumimoji="1" lang="ja-JP" altLang="en-US"/>
-              <a:t>の分布を変える</a:t>
-            </a:r>
-            <a:r>
-              <a:rPr kumimoji="1" lang="en-US" altLang="ja-JP" dirty="0"/>
-              <a:t>(</a:t>
-            </a:r>
-            <a:r>
-              <a:rPr kumimoji="1" lang="ja-JP" altLang="en-US"/>
-              <a:t>一個前のやつと</a:t>
-            </a:r>
-            <a:r>
-              <a:rPr kumimoji="1" lang="en-US" altLang="ja-JP" dirty="0"/>
-              <a:t>〜</a:t>
-            </a:r>
-            <a:r>
-              <a:rPr kumimoji="1" lang="ja-JP" altLang="en-US"/>
-              <a:t>ってやつ</a:t>
-            </a:r>
-            <a:r>
-              <a:rPr kumimoji="1" lang="en-US" altLang="ja-JP" dirty="0"/>
-              <a:t>)</a:t>
-            </a:r>
-          </a:p>
-          <a:p>
-            <a:r>
-              <a:rPr lang="ja-JP" altLang="en-US"/>
-              <a:t>項目</a:t>
-            </a:r>
-            <a:r>
-              <a:rPr lang="en-US" altLang="ja-JP" dirty="0"/>
-              <a:t>(</a:t>
-            </a:r>
-            <a:r>
-              <a:rPr lang="en-US" altLang="ja-JP" dirty="0" err="1"/>
-              <a:t>TaskID</a:t>
-            </a:r>
-            <a:r>
-              <a:rPr lang="en-US" altLang="ja-JP" dirty="0"/>
-              <a:t>)</a:t>
-            </a:r>
-            <a:r>
-              <a:rPr lang="ja-JP" altLang="en-US"/>
-              <a:t>を絞る（</a:t>
-            </a:r>
-            <a:r>
-              <a:rPr lang="en-US" altLang="ja-JP" dirty="0"/>
-              <a:t>1</a:t>
-            </a:r>
-            <a:r>
-              <a:rPr lang="ja-JP" altLang="en-US"/>
-              <a:t>の時</a:t>
-            </a:r>
-            <a:r>
-              <a:rPr lang="en-US" altLang="ja-JP" dirty="0"/>
-              <a:t>〜2</a:t>
-            </a:r>
-            <a:r>
-              <a:rPr lang="ja-JP" altLang="en-US"/>
-              <a:t>の時</a:t>
-            </a:r>
-            <a:r>
-              <a:rPr lang="en-US" altLang="ja-JP" dirty="0"/>
-              <a:t>〜</a:t>
-            </a:r>
-            <a:r>
-              <a:rPr lang="ja-JP" altLang="en-US"/>
-              <a:t>みたいにやる）</a:t>
-            </a:r>
-            <a:endParaRPr lang="en-US" altLang="ja-JP" dirty="0"/>
-          </a:p>
-          <a:p>
-            <a:endParaRPr kumimoji="1" lang="en-US" altLang="ja-JP" dirty="0"/>
-          </a:p>
-          <a:p>
-            <a:endParaRPr lang="en-US" altLang="ja-JP" dirty="0"/>
-          </a:p>
-          <a:p>
-            <a:endParaRPr kumimoji="1" lang="en-US" altLang="ja-JP" dirty="0"/>
-          </a:p>
-          <a:p>
-            <a:r>
-              <a:rPr lang="en-US" altLang="ja-JP" dirty="0"/>
-              <a:t>9/27</a:t>
-            </a:r>
-            <a:r>
-              <a:rPr lang="ja-JP" altLang="en-US"/>
-              <a:t>まで　中間レポート　</a:t>
-            </a:r>
-            <a:r>
-              <a:rPr lang="en-US" altLang="ja-JP" dirty="0"/>
-              <a:t>20</a:t>
-            </a:r>
-            <a:r>
-              <a:rPr lang="ja-JP" altLang="en-US"/>
-              <a:t>枚くらいで卒論の途中までみたいな感じ</a:t>
-            </a:r>
-            <a:endParaRPr lang="en-US" altLang="ja-JP" dirty="0"/>
-          </a:p>
-          <a:p>
-            <a:r>
-              <a:rPr kumimoji="1" lang="ja-JP" altLang="en-US"/>
-              <a:t>中間発表　</a:t>
-            </a:r>
-            <a:r>
-              <a:rPr kumimoji="1" lang="en-US" altLang="ja-JP" dirty="0"/>
-              <a:t>10/7</a:t>
-            </a:r>
-          </a:p>
-        </p:txBody>
-      </p:sp>
+              <a:t>やったこと</a:t>
+            </a:r>
+          </a:p>
+        </p:txBody>
+      </p:sp>
+      <mc:AlternateContent xmlns:mc="http://schemas.openxmlformats.org/markup-compatibility/2006">
+        <mc:Choice xmlns:a14="http://schemas.microsoft.com/office/drawing/2010/main" Requires="a14">
+          <p:sp>
+            <p:nvSpPr>
+              <p:cNvPr id="3" name="コンテンツ プレースホルダー 2">
+                <a:extLst>
+                  <a:ext uri="{FF2B5EF4-FFF2-40B4-BE49-F238E27FC236}">
+                    <a16:creationId xmlns:a16="http://schemas.microsoft.com/office/drawing/2014/main" id="{7E8AD8D6-B405-5543-AE9C-4940CA4269C5}"/>
+                  </a:ext>
+                </a:extLst>
+              </p:cNvPr>
+              <p:cNvSpPr>
+                <a:spLocks noGrp="1"/>
+              </p:cNvSpPr>
+              <p:nvPr>
+                <p:ph idx="1"/>
+              </p:nvPr>
+            </p:nvSpPr>
+            <p:spPr/>
+            <p:txBody>
+              <a:bodyPr/>
+              <a:lstStyle/>
+              <a:p>
+                <a:r>
+                  <a:rPr lang="ja-JP" altLang="en-US"/>
+                  <a:t>一応、論文のモデル（</a:t>
+                </a:r>
+                <a14:m>
+                  <m:oMath xmlns:m="http://schemas.openxmlformats.org/officeDocument/2006/math">
+                    <m:r>
+                      <a:rPr lang="ja-JP" altLang="ja-JP" i="1">
+                        <a:latin typeface="Cambria Math" panose="02040503050406030204" pitchFamily="18" charset="0"/>
+                      </a:rPr>
+                      <m:t>厳し</m:t>
+                    </m:r>
+                    <m:sSub>
+                      <m:sSubPr>
+                        <m:ctrlPr>
+                          <a:rPr lang="ja-JP" altLang="ja-JP" i="1">
+                            <a:latin typeface="Cambria Math" panose="02040503050406030204" pitchFamily="18" charset="0"/>
+                          </a:rPr>
+                        </m:ctrlPr>
+                      </m:sSubPr>
+                      <m:e>
+                        <m:r>
+                          <a:rPr lang="ja-JP" altLang="ja-JP" i="1">
+                            <a:latin typeface="Cambria Math" panose="02040503050406030204" pitchFamily="18" charset="0"/>
+                          </a:rPr>
+                          <m:t>さ</m:t>
+                        </m:r>
+                      </m:e>
+                      <m:sub>
+                        <m:r>
+                          <a:rPr lang="en-US" altLang="ja-JP" i="1">
+                            <a:latin typeface="Cambria Math" panose="02040503050406030204" pitchFamily="18" charset="0"/>
+                          </a:rPr>
+                          <m:t>𝑚𝑡</m:t>
+                        </m:r>
+                      </m:sub>
+                    </m:sSub>
+                    <m:r>
+                      <a:rPr lang="en-US" altLang="ja-JP" i="1">
+                        <a:latin typeface="Cambria Math" panose="02040503050406030204" pitchFamily="18" charset="0"/>
+                      </a:rPr>
+                      <m:t>=</m:t>
+                    </m:r>
+                    <m:sSub>
+                      <m:sSubPr>
+                        <m:ctrlPr>
+                          <a:rPr lang="ja-JP" altLang="ja-JP" i="1">
+                            <a:latin typeface="Cambria Math" panose="02040503050406030204" pitchFamily="18" charset="0"/>
+                          </a:rPr>
+                        </m:ctrlPr>
+                      </m:sSubPr>
+                      <m:e>
+                        <m:r>
+                          <a:rPr lang="en-US" altLang="ja-JP" i="1">
+                            <a:latin typeface="Cambria Math" panose="02040503050406030204" pitchFamily="18" charset="0"/>
+                          </a:rPr>
+                          <m:t>𝜋</m:t>
+                        </m:r>
+                      </m:e>
+                      <m:sub>
+                        <m:r>
+                          <a:rPr lang="en-US" altLang="ja-JP" i="1">
+                            <a:latin typeface="Cambria Math" panose="02040503050406030204" pitchFamily="18" charset="0"/>
+                          </a:rPr>
+                          <m:t>0</m:t>
+                        </m:r>
+                        <m:r>
+                          <a:rPr lang="en-US" altLang="ja-JP" i="1">
+                            <a:latin typeface="Cambria Math" panose="02040503050406030204" pitchFamily="18" charset="0"/>
+                          </a:rPr>
+                          <m:t>𝑚</m:t>
+                        </m:r>
+                      </m:sub>
+                    </m:sSub>
+                    <m:r>
+                      <a:rPr lang="en-US" altLang="ja-JP" i="1">
+                        <a:latin typeface="Cambria Math" panose="02040503050406030204" pitchFamily="18" charset="0"/>
+                      </a:rPr>
+                      <m:t>+</m:t>
+                    </m:r>
+                    <m:sSub>
+                      <m:sSubPr>
+                        <m:ctrlPr>
+                          <a:rPr lang="ja-JP" altLang="ja-JP" i="1">
+                            <a:latin typeface="Cambria Math" panose="02040503050406030204" pitchFamily="18" charset="0"/>
+                          </a:rPr>
+                        </m:ctrlPr>
+                      </m:sSubPr>
+                      <m:e>
+                        <m:r>
+                          <a:rPr lang="en-US" altLang="ja-JP" i="1">
+                            <a:latin typeface="Cambria Math" panose="02040503050406030204" pitchFamily="18" charset="0"/>
+                          </a:rPr>
+                          <m:t>𝜋</m:t>
+                        </m:r>
+                      </m:e>
+                      <m:sub>
+                        <m:r>
+                          <a:rPr lang="en-US" altLang="ja-JP" i="1">
+                            <a:latin typeface="Cambria Math" panose="02040503050406030204" pitchFamily="18" charset="0"/>
+                          </a:rPr>
+                          <m:t>1</m:t>
+                        </m:r>
+                        <m:r>
+                          <a:rPr lang="en-US" altLang="ja-JP" i="1">
+                            <a:latin typeface="Cambria Math" panose="02040503050406030204" pitchFamily="18" charset="0"/>
+                          </a:rPr>
+                          <m:t>𝑚</m:t>
+                        </m:r>
+                      </m:sub>
+                    </m:sSub>
+                    <m:sSub>
+                      <m:sSubPr>
+                        <m:ctrlPr>
+                          <a:rPr lang="ja-JP" altLang="ja-JP" i="1">
+                            <a:latin typeface="Cambria Math" panose="02040503050406030204" pitchFamily="18" charset="0"/>
+                          </a:rPr>
+                        </m:ctrlPr>
+                      </m:sSubPr>
+                      <m:e>
+                        <m:r>
+                          <a:rPr lang="en-US" altLang="ja-JP" i="1">
+                            <a:latin typeface="Cambria Math" panose="02040503050406030204" pitchFamily="18" charset="0"/>
+                          </a:rPr>
+                          <m:t>𝛼</m:t>
+                        </m:r>
+                      </m:e>
+                      <m:sub>
+                        <m:r>
+                          <a:rPr lang="en-US" altLang="ja-JP" i="1">
+                            <a:latin typeface="Cambria Math" panose="02040503050406030204" pitchFamily="18" charset="0"/>
+                          </a:rPr>
+                          <m:t>𝑚𝑡</m:t>
+                        </m:r>
+                      </m:sub>
+                    </m:sSub>
+                    <m:r>
+                      <a:rPr lang="en-US" altLang="ja-JP" i="1">
+                        <a:latin typeface="Cambria Math" panose="02040503050406030204" pitchFamily="18" charset="0"/>
+                      </a:rPr>
+                      <m:t>+</m:t>
+                    </m:r>
+                    <m:sSub>
+                      <m:sSubPr>
+                        <m:ctrlPr>
+                          <a:rPr lang="ja-JP" altLang="ja-JP" i="1">
+                            <a:latin typeface="Cambria Math" panose="02040503050406030204" pitchFamily="18" charset="0"/>
+                          </a:rPr>
+                        </m:ctrlPr>
+                      </m:sSubPr>
+                      <m:e>
+                        <m:r>
+                          <a:rPr lang="en-US" altLang="ja-JP" i="1">
+                            <a:latin typeface="Cambria Math" panose="02040503050406030204" pitchFamily="18" charset="0"/>
+                          </a:rPr>
+                          <m:t>𝑒</m:t>
+                        </m:r>
+                      </m:e>
+                      <m:sub>
+                        <m:r>
+                          <a:rPr lang="en-US" altLang="ja-JP" i="1">
+                            <a:latin typeface="Cambria Math" panose="02040503050406030204" pitchFamily="18" charset="0"/>
+                          </a:rPr>
+                          <m:t>𝑚𝑡</m:t>
+                        </m:r>
+                      </m:sub>
+                    </m:sSub>
+                  </m:oMath>
+                </a14:m>
+                <a:r>
+                  <a:rPr lang="ja-JP" altLang="en-US"/>
+                  <a:t>）は作って動かすことができた</a:t>
+                </a:r>
+                <a:endParaRPr lang="en-US" altLang="ja-JP" dirty="0"/>
+              </a:p>
+            </p:txBody>
+          </p:sp>
+        </mc:Choice>
+        <mc:Fallback>
+          <p:sp>
+            <p:nvSpPr>
+              <p:cNvPr id="3" name="コンテンツ プレースホルダー 2">
+                <a:extLst>
+                  <a:ext uri="{FF2B5EF4-FFF2-40B4-BE49-F238E27FC236}">
+                    <a16:creationId xmlns:a16="http://schemas.microsoft.com/office/drawing/2014/main" id="{7E8AD8D6-B405-5543-AE9C-4940CA4269C5}"/>
+                  </a:ext>
+                </a:extLst>
+              </p:cNvPr>
+              <p:cNvSpPr>
+                <a:spLocks noGrp="1" noRot="1" noChangeAspect="1" noMove="1" noResize="1" noEditPoints="1" noAdjustHandles="1" noChangeArrowheads="1" noChangeShapeType="1" noTextEdit="1"/>
+              </p:cNvSpPr>
+              <p:nvPr>
+                <p:ph idx="1"/>
+              </p:nvPr>
+            </p:nvSpPr>
+            <p:spPr>
+              <a:blipFill>
+                <a:blip r:embed="rId2"/>
+                <a:stretch>
+                  <a:fillRect l="-1086" t="-2326"/>
+                </a:stretch>
+              </a:blipFill>
+            </p:spPr>
+            <p:txBody>
+              <a:bodyPr/>
+              <a:lstStyle/>
+              <a:p>
+                <a:r>
+                  <a:rPr lang="ja-JP" altLang="en-US">
+                    <a:noFill/>
+                  </a:rPr>
+                  <a:t> </a:t>
+                </a:r>
+              </a:p>
+            </p:txBody>
+          </p:sp>
+        </mc:Fallback>
+      </mc:AlternateContent>
     </p:spTree>
     <p:extLst>
       <p:ext uri="{BB962C8B-B14F-4D97-AF65-F5344CB8AC3E}">
